--- a/Presentatie css.pptx
+++ b/Presentatie css.pptx
@@ -122,9 +122,7 @@
 <file path=ppt/revisionInfo.xml><?xml version="1.0" encoding="utf-8"?>
 <p1510:revInfo xmlns:a="http://schemas.openxmlformats.org/drawingml/2006/main" xmlns:r="http://schemas.openxmlformats.org/officeDocument/2006/relationships" xmlns:p1510="http://schemas.microsoft.com/office/powerpoint/2015/10/main">
   <p1510:revLst>
-    <p1510:client id="{9151F9AE-CF79-F329-A545-6A35EB03B2DF}" v="284" dt="2024-10-04T11:05:10.035"/>
     <p1510:client id="{A16FD78F-4E1A-41BC-BC05-1883ED190DBE}" v="1394" dt="2024-10-04T11:15:20.987"/>
-    <p1510:client id="{ED3B3E75-CC52-472C-9DAF-42DF9C2B95E3}" v="24" dt="2024-10-04T11:10:16.729"/>
   </p1510:revLst>
 </p1510:revInfo>
 </file>
@@ -222,107 +220,6 @@
             <pc:docMk/>
             <pc:sldMk cId="898275671" sldId="256"/>
             <ac:spMk id="2" creationId="{F6F1778C-AEB6-977F-BDEF-263111884D9C}"/>
-          </ac:spMkLst>
-        </pc:spChg>
-      </pc:sldChg>
-    </pc:docChg>
-  </pc:docChgLst>
-  <pc:docChgLst>
-    <pc:chgData name="Yaník Rijgersberg" userId="S::9024941@student.zadkine.nl::14e94ade-3281-49f3-8916-aad0781f022c" providerId="AD" clId="Web-{9151F9AE-CF79-F329-A545-6A35EB03B2DF}"/>
-    <pc:docChg chg="modSld">
-      <pc:chgData name="Yaník Rijgersberg" userId="S::9024941@student.zadkine.nl::14e94ade-3281-49f3-8916-aad0781f022c" providerId="AD" clId="Web-{9151F9AE-CF79-F329-A545-6A35EB03B2DF}" dt="2024-10-04T11:05:10.035" v="273" actId="20577"/>
-      <pc:docMkLst>
-        <pc:docMk/>
-      </pc:docMkLst>
-      <pc:sldChg chg="addSp modSp">
-        <pc:chgData name="Yaník Rijgersberg" userId="S::9024941@student.zadkine.nl::14e94ade-3281-49f3-8916-aad0781f022c" providerId="AD" clId="Web-{9151F9AE-CF79-F329-A545-6A35EB03B2DF}" dt="2024-10-04T10:55:49.798" v="172" actId="20577"/>
-        <pc:sldMkLst>
-          <pc:docMk/>
-          <pc:sldMk cId="898275671" sldId="256"/>
-        </pc:sldMkLst>
-        <pc:spChg chg="mod">
-          <ac:chgData name="Yaník Rijgersberg" userId="S::9024941@student.zadkine.nl::14e94ade-3281-49f3-8916-aad0781f022c" providerId="AD" clId="Web-{9151F9AE-CF79-F329-A545-6A35EB03B2DF}" dt="2024-10-04T10:55:49.798" v="172" actId="20577"/>
-          <ac:spMkLst>
-            <pc:docMk/>
-            <pc:sldMk cId="898275671" sldId="256"/>
-            <ac:spMk id="2" creationId="{EA3158FB-39DD-1BC2-DCFF-933993773130}"/>
-          </ac:spMkLst>
-        </pc:spChg>
-        <pc:spChg chg="mod">
-          <ac:chgData name="Yaník Rijgersberg" userId="S::9024941@student.zadkine.nl::14e94ade-3281-49f3-8916-aad0781f022c" providerId="AD" clId="Web-{9151F9AE-CF79-F329-A545-6A35EB03B2DF}" dt="2024-10-03T11:13:27.610" v="113" actId="1076"/>
-          <ac:spMkLst>
-            <pc:docMk/>
-            <pc:sldMk cId="898275671" sldId="256"/>
-            <ac:spMk id="2" creationId="{F6F1778C-AEB6-977F-BDEF-263111884D9C}"/>
-          </ac:spMkLst>
-        </pc:spChg>
-        <pc:spChg chg="mod">
-          <ac:chgData name="Yaník Rijgersberg" userId="S::9024941@student.zadkine.nl::14e94ade-3281-49f3-8916-aad0781f022c" providerId="AD" clId="Web-{9151F9AE-CF79-F329-A545-6A35EB03B2DF}" dt="2024-10-03T11:11:56.044" v="109" actId="20577"/>
-          <ac:spMkLst>
-            <pc:docMk/>
-            <pc:sldMk cId="898275671" sldId="256"/>
-            <ac:spMk id="3" creationId="{5A4A90F4-F6AB-54E1-2E4E-31917E6E547B}"/>
-          </ac:spMkLst>
-        </pc:spChg>
-        <pc:picChg chg="add mod">
-          <ac:chgData name="Yaník Rijgersberg" userId="S::9024941@student.zadkine.nl::14e94ade-3281-49f3-8916-aad0781f022c" providerId="AD" clId="Web-{9151F9AE-CF79-F329-A545-6A35EB03B2DF}" dt="2024-10-04T10:52:38.323" v="166" actId="1076"/>
-          <ac:picMkLst>
-            <pc:docMk/>
-            <pc:sldMk cId="898275671" sldId="256"/>
-            <ac:picMk id="4" creationId="{C25D0AEE-69EB-BC50-1093-CAC33D3C3E6D}"/>
-          </ac:picMkLst>
-        </pc:picChg>
-      </pc:sldChg>
-      <pc:sldChg chg="modSp">
-        <pc:chgData name="Yaník Rijgersberg" userId="S::9024941@student.zadkine.nl::14e94ade-3281-49f3-8916-aad0781f022c" providerId="AD" clId="Web-{9151F9AE-CF79-F329-A545-6A35EB03B2DF}" dt="2024-10-03T11:35:56.433" v="159" actId="20577"/>
-        <pc:sldMkLst>
-          <pc:docMk/>
-          <pc:sldMk cId="1143829736" sldId="257"/>
-        </pc:sldMkLst>
-        <pc:spChg chg="mod">
-          <ac:chgData name="Yaník Rijgersberg" userId="S::9024941@student.zadkine.nl::14e94ade-3281-49f3-8916-aad0781f022c" providerId="AD" clId="Web-{9151F9AE-CF79-F329-A545-6A35EB03B2DF}" dt="2024-10-03T11:14:31.613" v="117" actId="20577"/>
-          <ac:spMkLst>
-            <pc:docMk/>
-            <pc:sldMk cId="1143829736" sldId="257"/>
-            <ac:spMk id="2" creationId="{824242BF-B7F6-1B55-9EC9-96A70E00A83D}"/>
-          </ac:spMkLst>
-        </pc:spChg>
-        <pc:spChg chg="mod">
-          <ac:chgData name="Yaník Rijgersberg" userId="S::9024941@student.zadkine.nl::14e94ade-3281-49f3-8916-aad0781f022c" providerId="AD" clId="Web-{9151F9AE-CF79-F329-A545-6A35EB03B2DF}" dt="2024-10-03T11:35:56.433" v="159" actId="20577"/>
-          <ac:spMkLst>
-            <pc:docMk/>
-            <pc:sldMk cId="1143829736" sldId="257"/>
-            <ac:spMk id="3" creationId="{18A4CF6F-A3A9-E35F-AC7E-557588DFA3CE}"/>
-          </ac:spMkLst>
-        </pc:spChg>
-      </pc:sldChg>
-      <pc:sldChg chg="modSp">
-        <pc:chgData name="Yaník Rijgersberg" userId="S::9024941@student.zadkine.nl::14e94ade-3281-49f3-8916-aad0781f022c" providerId="AD" clId="Web-{9151F9AE-CF79-F329-A545-6A35EB03B2DF}" dt="2024-10-04T11:05:10.035" v="273" actId="20577"/>
-        <pc:sldMkLst>
-          <pc:docMk/>
-          <pc:sldMk cId="3604805623" sldId="258"/>
-        </pc:sldMkLst>
-        <pc:spChg chg="mod">
-          <ac:chgData name="Yaník Rijgersberg" userId="S::9024941@student.zadkine.nl::14e94ade-3281-49f3-8916-aad0781f022c" providerId="AD" clId="Web-{9151F9AE-CF79-F329-A545-6A35EB03B2DF}" dt="2024-10-04T11:05:10.035" v="273" actId="20577"/>
-          <ac:spMkLst>
-            <pc:docMk/>
-            <pc:sldMk cId="3604805623" sldId="258"/>
-            <ac:spMk id="3" creationId="{E6FACA05-266F-D319-0C4F-F3CA1D850176}"/>
-          </ac:spMkLst>
-        </pc:spChg>
-      </pc:sldChg>
-      <pc:sldChg chg="modSp">
-        <pc:chgData name="Yaník Rijgersberg" userId="S::9024941@student.zadkine.nl::14e94ade-3281-49f3-8916-aad0781f022c" providerId="AD" clId="Web-{9151F9AE-CF79-F329-A545-6A35EB03B2DF}" dt="2024-10-03T11:41:31.777" v="161" actId="20577"/>
-        <pc:sldMkLst>
-          <pc:docMk/>
-          <pc:sldMk cId="2929894635" sldId="259"/>
-        </pc:sldMkLst>
-        <pc:spChg chg="mod">
-          <ac:chgData name="Yaník Rijgersberg" userId="S::9024941@student.zadkine.nl::14e94ade-3281-49f3-8916-aad0781f022c" providerId="AD" clId="Web-{9151F9AE-CF79-F329-A545-6A35EB03B2DF}" dt="2024-10-03T11:41:31.777" v="161" actId="20577"/>
-          <ac:spMkLst>
-            <pc:docMk/>
-            <pc:sldMk cId="2929894635" sldId="259"/>
-            <ac:spMk id="2" creationId="{0C485B7D-7D93-E35B-D7FF-87AA80177FCB}"/>
           </ac:spMkLst>
         </pc:spChg>
       </pc:sldChg>
@@ -657,6 +554,107 @@
       </pc:sldMasterChg>
     </pc:docChg>
   </pc:docChgLst>
+  <pc:docChgLst>
+    <pc:chgData name="Yaník Rijgersberg" userId="S::9024941@student.zadkine.nl::14e94ade-3281-49f3-8916-aad0781f022c" providerId="AD" clId="Web-{9151F9AE-CF79-F329-A545-6A35EB03B2DF}"/>
+    <pc:docChg chg="modSld">
+      <pc:chgData name="Yaník Rijgersberg" userId="S::9024941@student.zadkine.nl::14e94ade-3281-49f3-8916-aad0781f022c" providerId="AD" clId="Web-{9151F9AE-CF79-F329-A545-6A35EB03B2DF}" dt="2024-10-04T11:05:10.035" v="273" actId="20577"/>
+      <pc:docMkLst>
+        <pc:docMk/>
+      </pc:docMkLst>
+      <pc:sldChg chg="addSp modSp">
+        <pc:chgData name="Yaník Rijgersberg" userId="S::9024941@student.zadkine.nl::14e94ade-3281-49f3-8916-aad0781f022c" providerId="AD" clId="Web-{9151F9AE-CF79-F329-A545-6A35EB03B2DF}" dt="2024-10-04T10:55:49.798" v="172" actId="20577"/>
+        <pc:sldMkLst>
+          <pc:docMk/>
+          <pc:sldMk cId="898275671" sldId="256"/>
+        </pc:sldMkLst>
+        <pc:spChg chg="mod">
+          <ac:chgData name="Yaník Rijgersberg" userId="S::9024941@student.zadkine.nl::14e94ade-3281-49f3-8916-aad0781f022c" providerId="AD" clId="Web-{9151F9AE-CF79-F329-A545-6A35EB03B2DF}" dt="2024-10-04T10:55:49.798" v="172" actId="20577"/>
+          <ac:spMkLst>
+            <pc:docMk/>
+            <pc:sldMk cId="898275671" sldId="256"/>
+            <ac:spMk id="2" creationId="{EA3158FB-39DD-1BC2-DCFF-933993773130}"/>
+          </ac:spMkLst>
+        </pc:spChg>
+        <pc:spChg chg="mod">
+          <ac:chgData name="Yaník Rijgersberg" userId="S::9024941@student.zadkine.nl::14e94ade-3281-49f3-8916-aad0781f022c" providerId="AD" clId="Web-{9151F9AE-CF79-F329-A545-6A35EB03B2DF}" dt="2024-10-03T11:13:27.610" v="113" actId="1076"/>
+          <ac:spMkLst>
+            <pc:docMk/>
+            <pc:sldMk cId="898275671" sldId="256"/>
+            <ac:spMk id="2" creationId="{F6F1778C-AEB6-977F-BDEF-263111884D9C}"/>
+          </ac:spMkLst>
+        </pc:spChg>
+        <pc:spChg chg="mod">
+          <ac:chgData name="Yaník Rijgersberg" userId="S::9024941@student.zadkine.nl::14e94ade-3281-49f3-8916-aad0781f022c" providerId="AD" clId="Web-{9151F9AE-CF79-F329-A545-6A35EB03B2DF}" dt="2024-10-03T11:11:56.044" v="109" actId="20577"/>
+          <ac:spMkLst>
+            <pc:docMk/>
+            <pc:sldMk cId="898275671" sldId="256"/>
+            <ac:spMk id="3" creationId="{5A4A90F4-F6AB-54E1-2E4E-31917E6E547B}"/>
+          </ac:spMkLst>
+        </pc:spChg>
+        <pc:picChg chg="add mod">
+          <ac:chgData name="Yaník Rijgersberg" userId="S::9024941@student.zadkine.nl::14e94ade-3281-49f3-8916-aad0781f022c" providerId="AD" clId="Web-{9151F9AE-CF79-F329-A545-6A35EB03B2DF}" dt="2024-10-04T10:52:38.323" v="166" actId="1076"/>
+          <ac:picMkLst>
+            <pc:docMk/>
+            <pc:sldMk cId="898275671" sldId="256"/>
+            <ac:picMk id="4" creationId="{C25D0AEE-69EB-BC50-1093-CAC33D3C3E6D}"/>
+          </ac:picMkLst>
+        </pc:picChg>
+      </pc:sldChg>
+      <pc:sldChg chg="modSp">
+        <pc:chgData name="Yaník Rijgersberg" userId="S::9024941@student.zadkine.nl::14e94ade-3281-49f3-8916-aad0781f022c" providerId="AD" clId="Web-{9151F9AE-CF79-F329-A545-6A35EB03B2DF}" dt="2024-10-03T11:35:56.433" v="159" actId="20577"/>
+        <pc:sldMkLst>
+          <pc:docMk/>
+          <pc:sldMk cId="1143829736" sldId="257"/>
+        </pc:sldMkLst>
+        <pc:spChg chg="mod">
+          <ac:chgData name="Yaník Rijgersberg" userId="S::9024941@student.zadkine.nl::14e94ade-3281-49f3-8916-aad0781f022c" providerId="AD" clId="Web-{9151F9AE-CF79-F329-A545-6A35EB03B2DF}" dt="2024-10-03T11:14:31.613" v="117" actId="20577"/>
+          <ac:spMkLst>
+            <pc:docMk/>
+            <pc:sldMk cId="1143829736" sldId="257"/>
+            <ac:spMk id="2" creationId="{824242BF-B7F6-1B55-9EC9-96A70E00A83D}"/>
+          </ac:spMkLst>
+        </pc:spChg>
+        <pc:spChg chg="mod">
+          <ac:chgData name="Yaník Rijgersberg" userId="S::9024941@student.zadkine.nl::14e94ade-3281-49f3-8916-aad0781f022c" providerId="AD" clId="Web-{9151F9AE-CF79-F329-A545-6A35EB03B2DF}" dt="2024-10-03T11:35:56.433" v="159" actId="20577"/>
+          <ac:spMkLst>
+            <pc:docMk/>
+            <pc:sldMk cId="1143829736" sldId="257"/>
+            <ac:spMk id="3" creationId="{18A4CF6F-A3A9-E35F-AC7E-557588DFA3CE}"/>
+          </ac:spMkLst>
+        </pc:spChg>
+      </pc:sldChg>
+      <pc:sldChg chg="modSp">
+        <pc:chgData name="Yaník Rijgersberg" userId="S::9024941@student.zadkine.nl::14e94ade-3281-49f3-8916-aad0781f022c" providerId="AD" clId="Web-{9151F9AE-CF79-F329-A545-6A35EB03B2DF}" dt="2024-10-04T11:05:10.035" v="273" actId="20577"/>
+        <pc:sldMkLst>
+          <pc:docMk/>
+          <pc:sldMk cId="3604805623" sldId="258"/>
+        </pc:sldMkLst>
+        <pc:spChg chg="mod">
+          <ac:chgData name="Yaník Rijgersberg" userId="S::9024941@student.zadkine.nl::14e94ade-3281-49f3-8916-aad0781f022c" providerId="AD" clId="Web-{9151F9AE-CF79-F329-A545-6A35EB03B2DF}" dt="2024-10-04T11:05:10.035" v="273" actId="20577"/>
+          <ac:spMkLst>
+            <pc:docMk/>
+            <pc:sldMk cId="3604805623" sldId="258"/>
+            <ac:spMk id="3" creationId="{E6FACA05-266F-D319-0C4F-F3CA1D850176}"/>
+          </ac:spMkLst>
+        </pc:spChg>
+      </pc:sldChg>
+      <pc:sldChg chg="modSp">
+        <pc:chgData name="Yaník Rijgersberg" userId="S::9024941@student.zadkine.nl::14e94ade-3281-49f3-8916-aad0781f022c" providerId="AD" clId="Web-{9151F9AE-CF79-F329-A545-6A35EB03B2DF}" dt="2024-10-03T11:41:31.777" v="161" actId="20577"/>
+        <pc:sldMkLst>
+          <pc:docMk/>
+          <pc:sldMk cId="2929894635" sldId="259"/>
+        </pc:sldMkLst>
+        <pc:spChg chg="mod">
+          <ac:chgData name="Yaník Rijgersberg" userId="S::9024941@student.zadkine.nl::14e94ade-3281-49f3-8916-aad0781f022c" providerId="AD" clId="Web-{9151F9AE-CF79-F329-A545-6A35EB03B2DF}" dt="2024-10-03T11:41:31.777" v="161" actId="20577"/>
+          <ac:spMkLst>
+            <pc:docMk/>
+            <pc:sldMk cId="2929894635" sldId="259"/>
+            <ac:spMk id="2" creationId="{0C485B7D-7D93-E35B-D7FF-87AA80177FCB}"/>
+          </ac:spMkLst>
+        </pc:spChg>
+      </pc:sldChg>
+    </pc:docChg>
+  </pc:docChgLst>
 </pc:chgInfo>
 </file>
 
@@ -742,7 +740,7 @@
           <a:p>
             <a:fld id="{665764B8-AC03-4CF0-AB0A-0C696664C63C}" type="datetimeFigureOut">
               <a:rPr lang="nl-NL" smtClean="0"/>
-              <a:t>4-10-2024</a:t>
+              <a:t>25-10-2024</a:t>
             </a:fld>
             <a:endParaRPr lang="nl-NL"/>
           </a:p>
@@ -900,7 +898,7 @@
           <a:p>
             <a:fld id="{7BD9CB41-985E-4F22-A94E-415DD53575F4}" type="slidenum">
               <a:rPr lang="nl-NL" smtClean="0"/>
-              <a:t>‹#›</a:t>
+              <a:t>‹nr.›</a:t>
             </a:fld>
             <a:endParaRPr lang="nl-NL"/>
           </a:p>
@@ -1240,7 +1238,7 @@
           <a:p>
             <a:fld id="{3933BC9F-4FC3-49E3-AE01-BE539F2BCC97}" type="datetimeFigureOut">
               <a:rPr lang="nl-NL" smtClean="0"/>
-              <a:t>4-10-2024</a:t>
+              <a:t>25-10-2024</a:t>
             </a:fld>
             <a:endParaRPr lang="nl-NL"/>
           </a:p>
@@ -1294,7 +1292,7 @@
           <a:p>
             <a:fld id="{7E8F46BB-5A39-4842-BDDE-5EB1FAA6F9C9}" type="slidenum">
               <a:rPr lang="nl-NL" smtClean="0"/>
-              <a:t>‹#›</a:t>
+              <a:t>‹nr.›</a:t>
             </a:fld>
             <a:endParaRPr lang="nl-NL"/>
           </a:p>
@@ -1438,7 +1436,7 @@
           <a:p>
             <a:fld id="{3933BC9F-4FC3-49E3-AE01-BE539F2BCC97}" type="datetimeFigureOut">
               <a:rPr lang="nl-NL" smtClean="0"/>
-              <a:t>4-10-2024</a:t>
+              <a:t>25-10-2024</a:t>
             </a:fld>
             <a:endParaRPr lang="nl-NL"/>
           </a:p>
@@ -1492,7 +1490,7 @@
           <a:p>
             <a:fld id="{7E8F46BB-5A39-4842-BDDE-5EB1FAA6F9C9}" type="slidenum">
               <a:rPr lang="nl-NL" smtClean="0"/>
-              <a:t>‹#›</a:t>
+              <a:t>‹nr.›</a:t>
             </a:fld>
             <a:endParaRPr lang="nl-NL"/>
           </a:p>
@@ -1646,7 +1644,7 @@
           <a:p>
             <a:fld id="{3933BC9F-4FC3-49E3-AE01-BE539F2BCC97}" type="datetimeFigureOut">
               <a:rPr lang="nl-NL" smtClean="0"/>
-              <a:t>4-10-2024</a:t>
+              <a:t>25-10-2024</a:t>
             </a:fld>
             <a:endParaRPr lang="nl-NL"/>
           </a:p>
@@ -1700,7 +1698,7 @@
           <a:p>
             <a:fld id="{7E8F46BB-5A39-4842-BDDE-5EB1FAA6F9C9}" type="slidenum">
               <a:rPr lang="nl-NL" smtClean="0"/>
-              <a:t>‹#›</a:t>
+              <a:t>‹nr.›</a:t>
             </a:fld>
             <a:endParaRPr lang="nl-NL"/>
           </a:p>
@@ -1844,7 +1842,7 @@
           <a:p>
             <a:fld id="{3933BC9F-4FC3-49E3-AE01-BE539F2BCC97}" type="datetimeFigureOut">
               <a:rPr lang="nl-NL" smtClean="0"/>
-              <a:t>4-10-2024</a:t>
+              <a:t>25-10-2024</a:t>
             </a:fld>
             <a:endParaRPr lang="nl-NL"/>
           </a:p>
@@ -1898,7 +1896,7 @@
           <a:p>
             <a:fld id="{7E8F46BB-5A39-4842-BDDE-5EB1FAA6F9C9}" type="slidenum">
               <a:rPr lang="nl-NL" smtClean="0"/>
-              <a:t>‹#›</a:t>
+              <a:t>‹nr.›</a:t>
             </a:fld>
             <a:endParaRPr lang="nl-NL"/>
           </a:p>
@@ -2119,7 +2117,7 @@
           <a:p>
             <a:fld id="{3933BC9F-4FC3-49E3-AE01-BE539F2BCC97}" type="datetimeFigureOut">
               <a:rPr lang="nl-NL" smtClean="0"/>
-              <a:t>4-10-2024</a:t>
+              <a:t>25-10-2024</a:t>
             </a:fld>
             <a:endParaRPr lang="nl-NL"/>
           </a:p>
@@ -2173,7 +2171,7 @@
           <a:p>
             <a:fld id="{7E8F46BB-5A39-4842-BDDE-5EB1FAA6F9C9}" type="slidenum">
               <a:rPr lang="nl-NL" smtClean="0"/>
-              <a:t>‹#›</a:t>
+              <a:t>‹nr.›</a:t>
             </a:fld>
             <a:endParaRPr lang="nl-NL"/>
           </a:p>
@@ -2384,7 +2382,7 @@
           <a:p>
             <a:fld id="{3933BC9F-4FC3-49E3-AE01-BE539F2BCC97}" type="datetimeFigureOut">
               <a:rPr lang="nl-NL" smtClean="0"/>
-              <a:t>4-10-2024</a:t>
+              <a:t>25-10-2024</a:t>
             </a:fld>
             <a:endParaRPr lang="nl-NL"/>
           </a:p>
@@ -2438,7 +2436,7 @@
           <a:p>
             <a:fld id="{7E8F46BB-5A39-4842-BDDE-5EB1FAA6F9C9}" type="slidenum">
               <a:rPr lang="nl-NL" smtClean="0"/>
-              <a:t>‹#›</a:t>
+              <a:t>‹nr.›</a:t>
             </a:fld>
             <a:endParaRPr lang="nl-NL"/>
           </a:p>
@@ -2796,7 +2794,7 @@
           <a:p>
             <a:fld id="{3933BC9F-4FC3-49E3-AE01-BE539F2BCC97}" type="datetimeFigureOut">
               <a:rPr lang="nl-NL" smtClean="0"/>
-              <a:t>4-10-2024</a:t>
+              <a:t>25-10-2024</a:t>
             </a:fld>
             <a:endParaRPr lang="nl-NL"/>
           </a:p>
@@ -2850,7 +2848,7 @@
           <a:p>
             <a:fld id="{7E8F46BB-5A39-4842-BDDE-5EB1FAA6F9C9}" type="slidenum">
               <a:rPr lang="nl-NL" smtClean="0"/>
-              <a:t>‹#›</a:t>
+              <a:t>‹nr.›</a:t>
             </a:fld>
             <a:endParaRPr lang="nl-NL"/>
           </a:p>
@@ -2937,7 +2935,7 @@
           <a:p>
             <a:fld id="{3933BC9F-4FC3-49E3-AE01-BE539F2BCC97}" type="datetimeFigureOut">
               <a:rPr lang="nl-NL" smtClean="0"/>
-              <a:t>4-10-2024</a:t>
+              <a:t>25-10-2024</a:t>
             </a:fld>
             <a:endParaRPr lang="nl-NL"/>
           </a:p>
@@ -2991,7 +2989,7 @@
           <a:p>
             <a:fld id="{7E8F46BB-5A39-4842-BDDE-5EB1FAA6F9C9}" type="slidenum">
               <a:rPr lang="nl-NL" smtClean="0"/>
-              <a:t>‹#›</a:t>
+              <a:t>‹nr.›</a:t>
             </a:fld>
             <a:endParaRPr lang="nl-NL"/>
           </a:p>
@@ -3050,7 +3048,7 @@
           <a:p>
             <a:fld id="{3933BC9F-4FC3-49E3-AE01-BE539F2BCC97}" type="datetimeFigureOut">
               <a:rPr lang="nl-NL" smtClean="0"/>
-              <a:t>4-10-2024</a:t>
+              <a:t>25-10-2024</a:t>
             </a:fld>
             <a:endParaRPr lang="nl-NL"/>
           </a:p>
@@ -3104,7 +3102,7 @@
           <a:p>
             <a:fld id="{7E8F46BB-5A39-4842-BDDE-5EB1FAA6F9C9}" type="slidenum">
               <a:rPr lang="nl-NL" smtClean="0"/>
-              <a:t>‹#›</a:t>
+              <a:t>‹nr.›</a:t>
             </a:fld>
             <a:endParaRPr lang="nl-NL"/>
           </a:p>
@@ -3361,7 +3359,7 @@
           <a:p>
             <a:fld id="{3933BC9F-4FC3-49E3-AE01-BE539F2BCC97}" type="datetimeFigureOut">
               <a:rPr lang="nl-NL" smtClean="0"/>
-              <a:t>4-10-2024</a:t>
+              <a:t>25-10-2024</a:t>
             </a:fld>
             <a:endParaRPr lang="nl-NL"/>
           </a:p>
@@ -3415,7 +3413,7 @@
           <a:p>
             <a:fld id="{7E8F46BB-5A39-4842-BDDE-5EB1FAA6F9C9}" type="slidenum">
               <a:rPr lang="nl-NL" smtClean="0"/>
-              <a:t>‹#›</a:t>
+              <a:t>‹nr.›</a:t>
             </a:fld>
             <a:endParaRPr lang="nl-NL"/>
           </a:p>
@@ -3649,7 +3647,7 @@
           <a:p>
             <a:fld id="{3933BC9F-4FC3-49E3-AE01-BE539F2BCC97}" type="datetimeFigureOut">
               <a:rPr lang="nl-NL" smtClean="0"/>
-              <a:t>4-10-2024</a:t>
+              <a:t>25-10-2024</a:t>
             </a:fld>
             <a:endParaRPr lang="nl-NL"/>
           </a:p>
@@ -3703,7 +3701,7 @@
           <a:p>
             <a:fld id="{7E8F46BB-5A39-4842-BDDE-5EB1FAA6F9C9}" type="slidenum">
               <a:rPr lang="nl-NL" smtClean="0"/>
-              <a:t>‹#›</a:t>
+              <a:t>‹nr.›</a:t>
             </a:fld>
             <a:endParaRPr lang="nl-NL"/>
           </a:p>
@@ -3915,7 +3913,7 @@
           <a:p>
             <a:fld id="{3933BC9F-4FC3-49E3-AE01-BE539F2BCC97}" type="datetimeFigureOut">
               <a:rPr lang="nl-NL" smtClean="0"/>
-              <a:t>4-10-2024</a:t>
+              <a:t>25-10-2024</a:t>
             </a:fld>
             <a:endParaRPr lang="nl-NL"/>
           </a:p>
@@ -4005,7 +4003,7 @@
           <a:p>
             <a:fld id="{7E8F46BB-5A39-4842-BDDE-5EB1FAA6F9C9}" type="slidenum">
               <a:rPr lang="nl-NL" smtClean="0"/>
-              <a:t>‹#›</a:t>
+              <a:t>‹nr.›</a:t>
             </a:fld>
             <a:endParaRPr lang="nl-NL"/>
           </a:p>
